--- a/Presentation.pptx
+++ b/Presentation.pptx
@@ -847,7 +847,7 @@
           <a:p>
             <a:fld id="{65A9F997-6828-4DFC-B70D-218C7B7CA3DB}" type="datetimeFigureOut">
               <a:rPr lang="vi-VN" smtClean="0"/>
-              <a:t>22/11/2018</a:t>
+              <a:t>19/12/2018</a:t>
             </a:fld>
             <a:endParaRPr lang="vi-VN"/>
           </a:p>
@@ -1098,7 +1098,7 @@
           <a:p>
             <a:fld id="{65A9F997-6828-4DFC-B70D-218C7B7CA3DB}" type="datetimeFigureOut">
               <a:rPr lang="vi-VN" smtClean="0"/>
-              <a:t>22/11/2018</a:t>
+              <a:t>19/12/2018</a:t>
             </a:fld>
             <a:endParaRPr lang="vi-VN"/>
           </a:p>
@@ -1412,7 +1412,7 @@
           <a:p>
             <a:fld id="{65A9F997-6828-4DFC-B70D-218C7B7CA3DB}" type="datetimeFigureOut">
               <a:rPr lang="vi-VN" smtClean="0"/>
-              <a:t>22/11/2018</a:t>
+              <a:t>19/12/2018</a:t>
             </a:fld>
             <a:endParaRPr lang="vi-VN"/>
           </a:p>
@@ -1753,7 +1753,7 @@
           <a:p>
             <a:fld id="{65A9F997-6828-4DFC-B70D-218C7B7CA3DB}" type="datetimeFigureOut">
               <a:rPr lang="vi-VN" smtClean="0"/>
-              <a:t>22/11/2018</a:t>
+              <a:t>19/12/2018</a:t>
             </a:fld>
             <a:endParaRPr lang="vi-VN"/>
           </a:p>
@@ -2067,7 +2067,7 @@
           <a:p>
             <a:fld id="{65A9F997-6828-4DFC-B70D-218C7B7CA3DB}" type="datetimeFigureOut">
               <a:rPr lang="vi-VN" smtClean="0"/>
-              <a:t>22/11/2018</a:t>
+              <a:t>19/12/2018</a:t>
             </a:fld>
             <a:endParaRPr lang="vi-VN"/>
           </a:p>
@@ -2460,7 +2460,7 @@
           <a:p>
             <a:fld id="{65A9F997-6828-4DFC-B70D-218C7B7CA3DB}" type="datetimeFigureOut">
               <a:rPr lang="vi-VN" smtClean="0"/>
-              <a:t>22/11/2018</a:t>
+              <a:t>19/12/2018</a:t>
             </a:fld>
             <a:endParaRPr lang="vi-VN"/>
           </a:p>
@@ -2630,7 +2630,7 @@
           <a:p>
             <a:fld id="{65A9F997-6828-4DFC-B70D-218C7B7CA3DB}" type="datetimeFigureOut">
               <a:rPr lang="vi-VN" smtClean="0"/>
-              <a:t>22/11/2018</a:t>
+              <a:t>19/12/2018</a:t>
             </a:fld>
             <a:endParaRPr lang="vi-VN"/>
           </a:p>
@@ -2810,7 +2810,7 @@
           <a:p>
             <a:fld id="{65A9F997-6828-4DFC-B70D-218C7B7CA3DB}" type="datetimeFigureOut">
               <a:rPr lang="vi-VN" smtClean="0"/>
-              <a:t>22/11/2018</a:t>
+              <a:t>19/12/2018</a:t>
             </a:fld>
             <a:endParaRPr lang="vi-VN"/>
           </a:p>
@@ -2986,7 +2986,7 @@
           <a:p>
             <a:fld id="{65A9F997-6828-4DFC-B70D-218C7B7CA3DB}" type="datetimeFigureOut">
               <a:rPr lang="vi-VN" smtClean="0"/>
-              <a:t>22/11/2018</a:t>
+              <a:t>19/12/2018</a:t>
             </a:fld>
             <a:endParaRPr lang="vi-VN"/>
           </a:p>
@@ -3233,7 +3233,7 @@
           <a:p>
             <a:fld id="{65A9F997-6828-4DFC-B70D-218C7B7CA3DB}" type="datetimeFigureOut">
               <a:rPr lang="vi-VN" smtClean="0"/>
-              <a:t>22/11/2018</a:t>
+              <a:t>19/12/2018</a:t>
             </a:fld>
             <a:endParaRPr lang="vi-VN"/>
           </a:p>
@@ -3465,7 +3465,7 @@
           <a:p>
             <a:fld id="{65A9F997-6828-4DFC-B70D-218C7B7CA3DB}" type="datetimeFigureOut">
               <a:rPr lang="vi-VN" smtClean="0"/>
-              <a:t>22/11/2018</a:t>
+              <a:t>19/12/2018</a:t>
             </a:fld>
             <a:endParaRPr lang="vi-VN"/>
           </a:p>
@@ -3839,7 +3839,7 @@
           <a:p>
             <a:fld id="{65A9F997-6828-4DFC-B70D-218C7B7CA3DB}" type="datetimeFigureOut">
               <a:rPr lang="vi-VN" smtClean="0"/>
-              <a:t>22/11/2018</a:t>
+              <a:t>19/12/2018</a:t>
             </a:fld>
             <a:endParaRPr lang="vi-VN"/>
           </a:p>
@@ -3962,7 +3962,7 @@
           <a:p>
             <a:fld id="{65A9F997-6828-4DFC-B70D-218C7B7CA3DB}" type="datetimeFigureOut">
               <a:rPr lang="vi-VN" smtClean="0"/>
-              <a:t>22/11/2018</a:t>
+              <a:t>19/12/2018</a:t>
             </a:fld>
             <a:endParaRPr lang="vi-VN"/>
           </a:p>
@@ -4057,7 +4057,7 @@
           <a:p>
             <a:fld id="{65A9F997-6828-4DFC-B70D-218C7B7CA3DB}" type="datetimeFigureOut">
               <a:rPr lang="vi-VN" smtClean="0"/>
-              <a:t>22/11/2018</a:t>
+              <a:t>19/12/2018</a:t>
             </a:fld>
             <a:endParaRPr lang="vi-VN"/>
           </a:p>
@@ -4312,7 +4312,7 @@
           <a:p>
             <a:fld id="{65A9F997-6828-4DFC-B70D-218C7B7CA3DB}" type="datetimeFigureOut">
               <a:rPr lang="vi-VN" smtClean="0"/>
-              <a:t>22/11/2018</a:t>
+              <a:t>19/12/2018</a:t>
             </a:fld>
             <a:endParaRPr lang="vi-VN"/>
           </a:p>
@@ -4575,7 +4575,7 @@
           <a:p>
             <a:fld id="{65A9F997-6828-4DFC-B70D-218C7B7CA3DB}" type="datetimeFigureOut">
               <a:rPr lang="vi-VN" smtClean="0"/>
-              <a:t>22/11/2018</a:t>
+              <a:t>19/12/2018</a:t>
             </a:fld>
             <a:endParaRPr lang="vi-VN"/>
           </a:p>
@@ -5318,7 +5318,7 @@
           <a:p>
             <a:fld id="{65A9F997-6828-4DFC-B70D-218C7B7CA3DB}" type="datetimeFigureOut">
               <a:rPr lang="vi-VN" smtClean="0"/>
-              <a:t>22/11/2018</a:t>
+              <a:t>19/12/2018</a:t>
             </a:fld>
             <a:endParaRPr lang="vi-VN"/>
           </a:p>
@@ -6184,277 +6184,6 @@
           </a:p>
         </p:txBody>
       </p:sp>
-      <p:sp>
-        <p:nvSpPr>
-          <p:cNvPr id="5" name="Subtitle 2">
-            <a:extLst>
-              <a:ext uri="{FF2B5EF4-FFF2-40B4-BE49-F238E27FC236}">
-                <a16:creationId xmlns:a16="http://schemas.microsoft.com/office/drawing/2014/main" id="{350CC40D-D711-45A8-8F57-F50166820B65}"/>
-              </a:ext>
-            </a:extLst>
-          </p:cNvPr>
-          <p:cNvSpPr txBox="1">
-            <a:spLocks/>
-          </p:cNvSpPr>
-          <p:nvPr/>
-        </p:nvSpPr>
-        <p:spPr>
-          <a:xfrm>
-            <a:off x="526470" y="4086440"/>
-            <a:ext cx="5375566" cy="1096899"/>
-          </a:xfrm>
-          <a:prstGeom prst="rect">
-            <a:avLst/>
-          </a:prstGeom>
-        </p:spPr>
-        <p:txBody>
-          <a:bodyPr vert="horz" lIns="91440" tIns="45720" rIns="91440" bIns="45720" rtlCol="0" anchor="t">
-            <a:normAutofit/>
-          </a:bodyPr>
-          <a:lstStyle>
-            <a:lvl1pPr marL="0" indent="0" algn="r" defTabSz="457200" rtl="0" eaLnBrk="1" latinLnBrk="0" hangingPunct="1">
-              <a:spcBef>
-                <a:spcPts val="1000"/>
-              </a:spcBef>
-              <a:spcAft>
-                <a:spcPts val="0"/>
-              </a:spcAft>
-              <a:buClr>
-                <a:schemeClr val="accent1"/>
-              </a:buClr>
-              <a:buSzPct val="80000"/>
-              <a:buFont typeface="Wingdings 3" charset="2"/>
-              <a:buNone/>
-              <a:defRPr sz="1800" kern="1200">
-                <a:solidFill>
-                  <a:schemeClr val="tx1">
-                    <a:lumMod val="50000"/>
-                    <a:lumOff val="50000"/>
-                  </a:schemeClr>
-                </a:solidFill>
-                <a:latin typeface="+mn-lt"/>
-                <a:ea typeface="+mn-ea"/>
-                <a:cs typeface="+mn-cs"/>
-              </a:defRPr>
-            </a:lvl1pPr>
-            <a:lvl2pPr marL="457200" indent="0" algn="ctr" defTabSz="457200" rtl="0" eaLnBrk="1" latinLnBrk="0" hangingPunct="1">
-              <a:spcBef>
-                <a:spcPts val="1000"/>
-              </a:spcBef>
-              <a:spcAft>
-                <a:spcPts val="0"/>
-              </a:spcAft>
-              <a:buClr>
-                <a:schemeClr val="accent1"/>
-              </a:buClr>
-              <a:buSzPct val="80000"/>
-              <a:buFont typeface="Wingdings 3" charset="2"/>
-              <a:buNone/>
-              <a:defRPr sz="1600" kern="1200">
-                <a:solidFill>
-                  <a:schemeClr val="tx1">
-                    <a:tint val="75000"/>
-                  </a:schemeClr>
-                </a:solidFill>
-                <a:latin typeface="+mn-lt"/>
-                <a:ea typeface="+mn-ea"/>
-                <a:cs typeface="+mn-cs"/>
-              </a:defRPr>
-            </a:lvl2pPr>
-            <a:lvl3pPr marL="914400" indent="0" algn="ctr" defTabSz="457200" rtl="0" eaLnBrk="1" latinLnBrk="0" hangingPunct="1">
-              <a:spcBef>
-                <a:spcPts val="1000"/>
-              </a:spcBef>
-              <a:spcAft>
-                <a:spcPts val="0"/>
-              </a:spcAft>
-              <a:buClr>
-                <a:schemeClr val="accent1"/>
-              </a:buClr>
-              <a:buSzPct val="80000"/>
-              <a:buFont typeface="Wingdings 3" charset="2"/>
-              <a:buNone/>
-              <a:defRPr sz="1400" kern="1200">
-                <a:solidFill>
-                  <a:schemeClr val="tx1">
-                    <a:tint val="75000"/>
-                  </a:schemeClr>
-                </a:solidFill>
-                <a:latin typeface="+mn-lt"/>
-                <a:ea typeface="+mn-ea"/>
-                <a:cs typeface="+mn-cs"/>
-              </a:defRPr>
-            </a:lvl3pPr>
-            <a:lvl4pPr marL="1371600" indent="0" algn="ctr" defTabSz="457200" rtl="0" eaLnBrk="1" latinLnBrk="0" hangingPunct="1">
-              <a:spcBef>
-                <a:spcPts val="1000"/>
-              </a:spcBef>
-              <a:spcAft>
-                <a:spcPts val="0"/>
-              </a:spcAft>
-              <a:buClr>
-                <a:schemeClr val="accent1"/>
-              </a:buClr>
-              <a:buSzPct val="80000"/>
-              <a:buFont typeface="Wingdings 3" charset="2"/>
-              <a:buNone/>
-              <a:defRPr sz="1200" kern="1200">
-                <a:solidFill>
-                  <a:schemeClr val="tx1">
-                    <a:tint val="75000"/>
-                  </a:schemeClr>
-                </a:solidFill>
-                <a:latin typeface="+mn-lt"/>
-                <a:ea typeface="+mn-ea"/>
-                <a:cs typeface="+mn-cs"/>
-              </a:defRPr>
-            </a:lvl4pPr>
-            <a:lvl5pPr marL="1828800" indent="0" algn="ctr" defTabSz="457200" rtl="0" eaLnBrk="1" latinLnBrk="0" hangingPunct="1">
-              <a:spcBef>
-                <a:spcPts val="1000"/>
-              </a:spcBef>
-              <a:spcAft>
-                <a:spcPts val="0"/>
-              </a:spcAft>
-              <a:buClr>
-                <a:schemeClr val="accent1"/>
-              </a:buClr>
-              <a:buSzPct val="80000"/>
-              <a:buFont typeface="Wingdings 3" charset="2"/>
-              <a:buNone/>
-              <a:defRPr sz="1200" kern="1200">
-                <a:solidFill>
-                  <a:schemeClr val="tx1">
-                    <a:tint val="75000"/>
-                  </a:schemeClr>
-                </a:solidFill>
-                <a:latin typeface="+mn-lt"/>
-                <a:ea typeface="+mn-ea"/>
-                <a:cs typeface="+mn-cs"/>
-              </a:defRPr>
-            </a:lvl5pPr>
-            <a:lvl6pPr marL="2286000" indent="0" algn="ctr" defTabSz="457200" rtl="0" eaLnBrk="1" latinLnBrk="0" hangingPunct="1">
-              <a:spcBef>
-                <a:spcPts val="1000"/>
-              </a:spcBef>
-              <a:spcAft>
-                <a:spcPts val="0"/>
-              </a:spcAft>
-              <a:buClr>
-                <a:schemeClr val="accent1"/>
-              </a:buClr>
-              <a:buSzPct val="80000"/>
-              <a:buFont typeface="Wingdings 3" charset="2"/>
-              <a:buNone/>
-              <a:defRPr sz="1200" kern="1200">
-                <a:solidFill>
-                  <a:schemeClr val="tx1">
-                    <a:tint val="75000"/>
-                  </a:schemeClr>
-                </a:solidFill>
-                <a:latin typeface="+mn-lt"/>
-                <a:ea typeface="+mn-ea"/>
-                <a:cs typeface="+mn-cs"/>
-              </a:defRPr>
-            </a:lvl6pPr>
-            <a:lvl7pPr marL="2743200" indent="0" algn="ctr" defTabSz="457200" rtl="0" eaLnBrk="1" latinLnBrk="0" hangingPunct="1">
-              <a:spcBef>
-                <a:spcPts val="1000"/>
-              </a:spcBef>
-              <a:spcAft>
-                <a:spcPts val="0"/>
-              </a:spcAft>
-              <a:buClr>
-                <a:schemeClr val="accent1"/>
-              </a:buClr>
-              <a:buSzPct val="80000"/>
-              <a:buFont typeface="Wingdings 3" charset="2"/>
-              <a:buNone/>
-              <a:defRPr sz="1200" kern="1200">
-                <a:solidFill>
-                  <a:schemeClr val="tx1">
-                    <a:tint val="75000"/>
-                  </a:schemeClr>
-                </a:solidFill>
-                <a:latin typeface="+mn-lt"/>
-                <a:ea typeface="+mn-ea"/>
-                <a:cs typeface="+mn-cs"/>
-              </a:defRPr>
-            </a:lvl7pPr>
-            <a:lvl8pPr marL="3200400" indent="0" algn="ctr" defTabSz="457200" rtl="0" eaLnBrk="1" latinLnBrk="0" hangingPunct="1">
-              <a:spcBef>
-                <a:spcPts val="1000"/>
-              </a:spcBef>
-              <a:spcAft>
-                <a:spcPts val="0"/>
-              </a:spcAft>
-              <a:buClr>
-                <a:schemeClr val="accent1"/>
-              </a:buClr>
-              <a:buSzPct val="80000"/>
-              <a:buFont typeface="Wingdings 3" charset="2"/>
-              <a:buNone/>
-              <a:defRPr sz="1200" kern="1200">
-                <a:solidFill>
-                  <a:schemeClr val="tx1">
-                    <a:tint val="75000"/>
-                  </a:schemeClr>
-                </a:solidFill>
-                <a:latin typeface="+mn-lt"/>
-                <a:ea typeface="+mn-ea"/>
-                <a:cs typeface="+mn-cs"/>
-              </a:defRPr>
-            </a:lvl8pPr>
-            <a:lvl9pPr marL="3657600" indent="0" algn="ctr" defTabSz="457200" rtl="0" eaLnBrk="1" latinLnBrk="0" hangingPunct="1">
-              <a:spcBef>
-                <a:spcPts val="1000"/>
-              </a:spcBef>
-              <a:spcAft>
-                <a:spcPts val="0"/>
-              </a:spcAft>
-              <a:buClr>
-                <a:schemeClr val="accent1"/>
-              </a:buClr>
-              <a:buSzPct val="80000"/>
-              <a:buFont typeface="Wingdings 3" charset="2"/>
-              <a:buNone/>
-              <a:defRPr sz="1200" kern="1200">
-                <a:solidFill>
-                  <a:schemeClr val="tx1">
-                    <a:tint val="75000"/>
-                  </a:schemeClr>
-                </a:solidFill>
-                <a:latin typeface="+mn-lt"/>
-                <a:ea typeface="+mn-ea"/>
-                <a:cs typeface="+mn-cs"/>
-              </a:defRPr>
-            </a:lvl9pPr>
-          </a:lstStyle>
-          <a:p>
-            <a:pPr algn="l"/>
-            <a:r>
-              <a:rPr lang="en-US" sz="2400">
-                <a:solidFill>
-                  <a:schemeClr val="tx1"/>
-                </a:solidFill>
-                <a:latin typeface="Arial" panose="020B0604020202020204" pitchFamily="34" charset="0"/>
-                <a:cs typeface="Arial" panose="020B0604020202020204" pitchFamily="34" charset="0"/>
-              </a:rPr>
-              <a:t>Giảng viên h</a:t>
-            </a:r>
-            <a:r>
-              <a:rPr lang="vi-VN" sz="2400">
-                <a:solidFill>
-                  <a:schemeClr val="tx1"/>
-                </a:solidFill>
-                <a:latin typeface="Arial" panose="020B0604020202020204" pitchFamily="34" charset="0"/>
-                <a:cs typeface="Arial" panose="020B0604020202020204" pitchFamily="34" charset="0"/>
-              </a:rPr>
-              <a:t>ướng dẫn:	Mai Tiến Dũng</a:t>
-            </a:r>
-          </a:p>
-        </p:txBody>
-      </p:sp>
     </p:spTree>
     <p:extLst>
       <p:ext uri="{BB962C8B-B14F-4D97-AF65-F5344CB8AC3E}">
